--- a/EXCEL/coffee shop sales  Presentation.pptx
+++ b/EXCEL/coffee shop sales  Presentation.pptx
@@ -9,7 +9,7 @@
     <p:sldId id="259" r:id="rId3"/>
     <p:sldId id="260" r:id="rId4"/>
     <p:sldId id="261" r:id="rId5"/>
-    <p:sldId id="257" r:id="rId6"/>
+    <p:sldId id="262" r:id="rId6"/>
   </p:sldIdLst>
   <p:sldSz cx="12192000" cy="6858000"/>
   <p:notesSz cx="6858000" cy="9144000"/>
@@ -108,6 +108,11 @@
       </a:defRPr>
     </a:lvl9pPr>
   </p:defaultTextStyle>
+  <p:extLst>
+    <p:ext uri="{EFAFB233-063F-42B5-8137-9DF3F51BA10A}">
+      <p15:sldGuideLst xmlns:p15="http://schemas.microsoft.com/office/powerpoint/2012/main"/>
+    </p:ext>
+  </p:extLst>
 </p:presentation>
 </file>
 
@@ -3977,10 +3982,10 @@
       </p:grpSpPr>
       <p:pic>
         <p:nvPicPr>
-          <p:cNvPr id="13" name="Picture 12">
+          <p:cNvPr id="3" name="Picture 2">
             <a:extLst>
               <a:ext uri="{FF2B5EF4-FFF2-40B4-BE49-F238E27FC236}">
-                <a16:creationId xmlns:a16="http://schemas.microsoft.com/office/drawing/2014/main" id="{64A5DCEF-1A28-A3C8-A0EA-6BC5C18C72D6}"/>
+                <a16:creationId xmlns:a16="http://schemas.microsoft.com/office/drawing/2014/main" id="{BD5077A6-FD40-15C2-547C-45098A8FE747}"/>
               </a:ext>
             </a:extLst>
           </p:cNvPr>
@@ -3997,14 +4002,13 @@
               </a:ext>
             </a:extLst>
           </a:blip>
-          <a:stretch>
-            <a:fillRect/>
-          </a:stretch>
+          <a:srcRect l="89" r="714"/>
+          <a:stretch/>
         </p:blipFill>
         <p:spPr>
           <a:xfrm>
-            <a:off x="0" y="0"/>
-            <a:ext cx="12192000" cy="6858000"/>
+            <a:off x="50242" y="0"/>
+            <a:ext cx="12091515" cy="6858000"/>
           </a:xfrm>
           <a:prstGeom prst="rect">
             <a:avLst/>
@@ -4014,7 +4018,7 @@
     </p:spTree>
     <p:extLst>
       <p:ext uri="{BB962C8B-B14F-4D97-AF65-F5344CB8AC3E}">
-        <p14:creationId xmlns:p14="http://schemas.microsoft.com/office/powerpoint/2010/main" val="30775123"/>
+        <p14:creationId xmlns:p14="http://schemas.microsoft.com/office/powerpoint/2010/main" val="3473930376"/>
       </p:ext>
     </p:extLst>
   </p:cSld>
